--- a/studio/single_value/single_value.pptx
+++ b/studio/single_value/single_value.pptx
@@ -11,10 +11,16 @@
     <p:sldId id="261" r:id="rId5"/>
     <p:sldId id="262" r:id="rId6"/>
     <p:sldId id="264" r:id="rId7"/>
-    <p:sldId id="265" r:id="rId8"/>
-    <p:sldId id="263" r:id="rId9"/>
+    <p:sldId id="263" r:id="rId8"/>
+    <p:sldId id="265" r:id="rId9"/>
     <p:sldId id="257" r:id="rId10"/>
     <p:sldId id="260" r:id="rId11"/>
+    <p:sldId id="266" r:id="rId12"/>
+    <p:sldId id="267" r:id="rId13"/>
+    <p:sldId id="268" r:id="rId14"/>
+    <p:sldId id="269" r:id="rId15"/>
+    <p:sldId id="271" r:id="rId16"/>
+    <p:sldId id="270" r:id="rId17"/>
   </p:sldIdLst>
   <p:sldSz cx="12192000" cy="6858000"/>
   <p:notesSz cx="6858000" cy="9144000"/>
@@ -113,6 +119,11 @@
       </a:defRPr>
     </a:lvl9pPr>
   </p:defaultTextStyle>
+  <p:extLst>
+    <p:ext uri="{EFAFB233-063F-42B5-8137-9DF3F51BA10A}">
+      <p15:sldGuideLst xmlns:p15="http://schemas.microsoft.com/office/powerpoint/2012/main"/>
+    </p:ext>
+  </p:extLst>
 </p:presentation>
 </file>
 
@@ -247,7 +258,7 @@
           <a:p>
             <a:fld id="{5862248A-69CF-4CD3-B02C-C01A4A3AAF90}" type="datetimeFigureOut">
               <a:rPr lang="ko-KR" altLang="en-US" smtClean="0"/>
-              <a:t>2020-01-29</a:t>
+              <a:t>2020-01-30</a:t>
             </a:fld>
             <a:endParaRPr lang="ko-KR" altLang="en-US"/>
           </a:p>
@@ -417,7 +428,7 @@
           <a:p>
             <a:fld id="{5862248A-69CF-4CD3-B02C-C01A4A3AAF90}" type="datetimeFigureOut">
               <a:rPr lang="ko-KR" altLang="en-US" smtClean="0"/>
-              <a:t>2020-01-29</a:t>
+              <a:t>2020-01-30</a:t>
             </a:fld>
             <a:endParaRPr lang="ko-KR" altLang="en-US"/>
           </a:p>
@@ -597,7 +608,7 @@
           <a:p>
             <a:fld id="{5862248A-69CF-4CD3-B02C-C01A4A3AAF90}" type="datetimeFigureOut">
               <a:rPr lang="ko-KR" altLang="en-US" smtClean="0"/>
-              <a:t>2020-01-29</a:t>
+              <a:t>2020-01-30</a:t>
             </a:fld>
             <a:endParaRPr lang="ko-KR" altLang="en-US"/>
           </a:p>
@@ -767,7 +778,7 @@
           <a:p>
             <a:fld id="{5862248A-69CF-4CD3-B02C-C01A4A3AAF90}" type="datetimeFigureOut">
               <a:rPr lang="ko-KR" altLang="en-US" smtClean="0"/>
-              <a:t>2020-01-29</a:t>
+              <a:t>2020-01-30</a:t>
             </a:fld>
             <a:endParaRPr lang="ko-KR" altLang="en-US"/>
           </a:p>
@@ -1013,7 +1024,7 @@
           <a:p>
             <a:fld id="{5862248A-69CF-4CD3-B02C-C01A4A3AAF90}" type="datetimeFigureOut">
               <a:rPr lang="ko-KR" altLang="en-US" smtClean="0"/>
-              <a:t>2020-01-29</a:t>
+              <a:t>2020-01-30</a:t>
             </a:fld>
             <a:endParaRPr lang="ko-KR" altLang="en-US"/>
           </a:p>
@@ -1245,7 +1256,7 @@
           <a:p>
             <a:fld id="{5862248A-69CF-4CD3-B02C-C01A4A3AAF90}" type="datetimeFigureOut">
               <a:rPr lang="ko-KR" altLang="en-US" smtClean="0"/>
-              <a:t>2020-01-29</a:t>
+              <a:t>2020-01-30</a:t>
             </a:fld>
             <a:endParaRPr lang="ko-KR" altLang="en-US"/>
           </a:p>
@@ -1612,7 +1623,7 @@
           <a:p>
             <a:fld id="{5862248A-69CF-4CD3-B02C-C01A4A3AAF90}" type="datetimeFigureOut">
               <a:rPr lang="ko-KR" altLang="en-US" smtClean="0"/>
-              <a:t>2020-01-29</a:t>
+              <a:t>2020-01-30</a:t>
             </a:fld>
             <a:endParaRPr lang="ko-KR" altLang="en-US"/>
           </a:p>
@@ -1730,7 +1741,7 @@
           <a:p>
             <a:fld id="{5862248A-69CF-4CD3-B02C-C01A4A3AAF90}" type="datetimeFigureOut">
               <a:rPr lang="ko-KR" altLang="en-US" smtClean="0"/>
-              <a:t>2020-01-29</a:t>
+              <a:t>2020-01-30</a:t>
             </a:fld>
             <a:endParaRPr lang="ko-KR" altLang="en-US"/>
           </a:p>
@@ -1825,7 +1836,7 @@
           <a:p>
             <a:fld id="{5862248A-69CF-4CD3-B02C-C01A4A3AAF90}" type="datetimeFigureOut">
               <a:rPr lang="ko-KR" altLang="en-US" smtClean="0"/>
-              <a:t>2020-01-29</a:t>
+              <a:t>2020-01-30</a:t>
             </a:fld>
             <a:endParaRPr lang="ko-KR" altLang="en-US"/>
           </a:p>
@@ -2102,7 +2113,7 @@
           <a:p>
             <a:fld id="{5862248A-69CF-4CD3-B02C-C01A4A3AAF90}" type="datetimeFigureOut">
               <a:rPr lang="ko-KR" altLang="en-US" smtClean="0"/>
-              <a:t>2020-01-29</a:t>
+              <a:t>2020-01-30</a:t>
             </a:fld>
             <a:endParaRPr lang="ko-KR" altLang="en-US"/>
           </a:p>
@@ -2355,7 +2366,7 @@
           <a:p>
             <a:fld id="{5862248A-69CF-4CD3-B02C-C01A4A3AAF90}" type="datetimeFigureOut">
               <a:rPr lang="ko-KR" altLang="en-US" smtClean="0"/>
-              <a:t>2020-01-29</a:t>
+              <a:t>2020-01-30</a:t>
             </a:fld>
             <a:endParaRPr lang="ko-KR" altLang="en-US"/>
           </a:p>
@@ -2568,7 +2579,7 @@
           <a:p>
             <a:fld id="{5862248A-69CF-4CD3-B02C-C01A4A3AAF90}" type="datetimeFigureOut">
               <a:rPr lang="ko-KR" altLang="en-US" smtClean="0"/>
-              <a:t>2020-01-29</a:t>
+              <a:t>2020-01-30</a:t>
             </a:fld>
             <a:endParaRPr lang="ko-KR" altLang="en-US"/>
           </a:p>
@@ -3098,6 +3109,686 @@
 </p:sld>
 </file>
 
+<file path=ppt/slides/slide11.xml><?xml version="1.0" encoding="utf-8"?>
+<p:sld xmlns:a="http://schemas.openxmlformats.org/drawingml/2006/main" xmlns:r="http://schemas.openxmlformats.org/officeDocument/2006/relationships" xmlns:p="http://schemas.openxmlformats.org/presentationml/2006/main">
+  <p:cSld>
+    <p:spTree>
+      <p:nvGrpSpPr>
+        <p:cNvPr id="1" name=""/>
+        <p:cNvGrpSpPr/>
+        <p:nvPr/>
+      </p:nvGrpSpPr>
+      <p:grpSpPr>
+        <a:xfrm>
+          <a:off x="0" y="0"/>
+          <a:ext cx="0" cy="0"/>
+          <a:chOff x="0" y="0"/>
+          <a:chExt cx="0" cy="0"/>
+        </a:xfrm>
+      </p:grpSpPr>
+      <p:pic>
+        <p:nvPicPr>
+          <p:cNvPr id="2" name="그림 1"/>
+          <p:cNvPicPr>
+            <a:picLocks noChangeAspect="1"/>
+          </p:cNvPicPr>
+          <p:nvPr/>
+        </p:nvPicPr>
+        <p:blipFill rotWithShape="1">
+          <a:blip r:embed="rId2"/>
+          <a:srcRect t="10000"/>
+          <a:stretch/>
+        </p:blipFill>
+        <p:spPr>
+          <a:xfrm>
+            <a:off x="296334" y="567267"/>
+            <a:ext cx="11645538" cy="5677200"/>
+          </a:xfrm>
+          <a:prstGeom prst="rect">
+            <a:avLst/>
+          </a:prstGeom>
+          <a:ln>
+            <a:solidFill>
+              <a:schemeClr val="tx1"/>
+            </a:solidFill>
+          </a:ln>
+        </p:spPr>
+      </p:pic>
+      <p:sp>
+        <p:nvSpPr>
+          <p:cNvPr id="5" name="직사각형 4"/>
+          <p:cNvSpPr/>
+          <p:nvPr/>
+        </p:nvSpPr>
+        <p:spPr>
+          <a:xfrm>
+            <a:off x="1312333" y="973667"/>
+            <a:ext cx="253999" cy="279400"/>
+          </a:xfrm>
+          <a:prstGeom prst="rect">
+            <a:avLst/>
+          </a:prstGeom>
+          <a:noFill/>
+          <a:ln w="19050">
+            <a:solidFill>
+              <a:schemeClr val="accent2"/>
+            </a:solidFill>
+          </a:ln>
+        </p:spPr>
+        <p:style>
+          <a:lnRef idx="2">
+            <a:schemeClr val="accent1">
+              <a:shade val="50000"/>
+            </a:schemeClr>
+          </a:lnRef>
+          <a:fillRef idx="1">
+            <a:schemeClr val="accent1"/>
+          </a:fillRef>
+          <a:effectRef idx="0">
+            <a:schemeClr val="accent1"/>
+          </a:effectRef>
+          <a:fontRef idx="minor">
+            <a:schemeClr val="lt1"/>
+          </a:fontRef>
+        </p:style>
+        <p:txBody>
+          <a:bodyPr rtlCol="0" anchor="ctr"/>
+          <a:lstStyle/>
+          <a:p>
+            <a:pPr algn="ctr"/>
+            <a:endParaRPr lang="ko-KR" altLang="en-US"/>
+          </a:p>
+        </p:txBody>
+      </p:sp>
+    </p:spTree>
+    <p:extLst>
+      <p:ext uri="{BB962C8B-B14F-4D97-AF65-F5344CB8AC3E}">
+        <p14:creationId xmlns:p14="http://schemas.microsoft.com/office/powerpoint/2010/main" val="3470750768"/>
+      </p:ext>
+    </p:extLst>
+  </p:cSld>
+  <p:clrMapOvr>
+    <a:masterClrMapping/>
+  </p:clrMapOvr>
+</p:sld>
+</file>
+
+<file path=ppt/slides/slide12.xml><?xml version="1.0" encoding="utf-8"?>
+<p:sld xmlns:a="http://schemas.openxmlformats.org/drawingml/2006/main" xmlns:r="http://schemas.openxmlformats.org/officeDocument/2006/relationships" xmlns:p="http://schemas.openxmlformats.org/presentationml/2006/main">
+  <p:cSld>
+    <p:spTree>
+      <p:nvGrpSpPr>
+        <p:cNvPr id="1" name=""/>
+        <p:cNvGrpSpPr/>
+        <p:nvPr/>
+      </p:nvGrpSpPr>
+      <p:grpSpPr>
+        <a:xfrm>
+          <a:off x="0" y="0"/>
+          <a:ext cx="0" cy="0"/>
+          <a:chOff x="0" y="0"/>
+          <a:chExt cx="0" cy="0"/>
+        </a:xfrm>
+      </p:grpSpPr>
+      <p:pic>
+        <p:nvPicPr>
+          <p:cNvPr id="5" name="그림 4"/>
+          <p:cNvPicPr>
+            <a:picLocks noChangeAspect="1"/>
+          </p:cNvPicPr>
+          <p:nvPr/>
+        </p:nvPicPr>
+        <p:blipFill rotWithShape="1">
+          <a:blip r:embed="rId2"/>
+          <a:srcRect t="10000"/>
+          <a:stretch/>
+        </p:blipFill>
+        <p:spPr>
+          <a:xfrm>
+            <a:off x="220133" y="660400"/>
+            <a:ext cx="11645538" cy="5677200"/>
+          </a:xfrm>
+          <a:prstGeom prst="rect">
+            <a:avLst/>
+          </a:prstGeom>
+          <a:ln>
+            <a:solidFill>
+              <a:schemeClr val="tx1"/>
+            </a:solidFill>
+          </a:ln>
+        </p:spPr>
+      </p:pic>
+      <p:sp>
+        <p:nvSpPr>
+          <p:cNvPr id="3" name="직사각형 2"/>
+          <p:cNvSpPr/>
+          <p:nvPr/>
+        </p:nvSpPr>
+        <p:spPr>
+          <a:xfrm>
+            <a:off x="10126133" y="1244599"/>
+            <a:ext cx="1739538" cy="4792133"/>
+          </a:xfrm>
+          <a:prstGeom prst="rect">
+            <a:avLst/>
+          </a:prstGeom>
+          <a:noFill/>
+          <a:ln w="19050">
+            <a:solidFill>
+              <a:schemeClr val="accent2"/>
+            </a:solidFill>
+          </a:ln>
+        </p:spPr>
+        <p:style>
+          <a:lnRef idx="2">
+            <a:schemeClr val="accent1">
+              <a:shade val="50000"/>
+            </a:schemeClr>
+          </a:lnRef>
+          <a:fillRef idx="1">
+            <a:schemeClr val="accent1"/>
+          </a:fillRef>
+          <a:effectRef idx="0">
+            <a:schemeClr val="accent1"/>
+          </a:effectRef>
+          <a:fontRef idx="minor">
+            <a:schemeClr val="lt1"/>
+          </a:fontRef>
+        </p:style>
+        <p:txBody>
+          <a:bodyPr rtlCol="0" anchor="ctr"/>
+          <a:lstStyle/>
+          <a:p>
+            <a:pPr algn="ctr"/>
+            <a:endParaRPr lang="ko-KR" altLang="en-US"/>
+          </a:p>
+        </p:txBody>
+      </p:sp>
+    </p:spTree>
+    <p:extLst>
+      <p:ext uri="{BB962C8B-B14F-4D97-AF65-F5344CB8AC3E}">
+        <p14:creationId xmlns:p14="http://schemas.microsoft.com/office/powerpoint/2010/main" val="1101288386"/>
+      </p:ext>
+    </p:extLst>
+  </p:cSld>
+  <p:clrMapOvr>
+    <a:masterClrMapping/>
+  </p:clrMapOvr>
+</p:sld>
+</file>
+
+<file path=ppt/slides/slide13.xml><?xml version="1.0" encoding="utf-8"?>
+<p:sld xmlns:a="http://schemas.openxmlformats.org/drawingml/2006/main" xmlns:r="http://schemas.openxmlformats.org/officeDocument/2006/relationships" xmlns:p="http://schemas.openxmlformats.org/presentationml/2006/main">
+  <p:cSld>
+    <p:spTree>
+      <p:nvGrpSpPr>
+        <p:cNvPr id="1" name=""/>
+        <p:cNvGrpSpPr/>
+        <p:nvPr/>
+      </p:nvGrpSpPr>
+      <p:grpSpPr>
+        <a:xfrm>
+          <a:off x="0" y="0"/>
+          <a:ext cx="0" cy="0"/>
+          <a:chOff x="0" y="0"/>
+          <a:chExt cx="0" cy="0"/>
+        </a:xfrm>
+      </p:grpSpPr>
+      <p:pic>
+        <p:nvPicPr>
+          <p:cNvPr id="9" name="그림 8"/>
+          <p:cNvPicPr>
+            <a:picLocks noChangeAspect="1"/>
+          </p:cNvPicPr>
+          <p:nvPr/>
+        </p:nvPicPr>
+        <p:blipFill rotWithShape="1">
+          <a:blip r:embed="rId2"/>
+          <a:srcRect t="10000"/>
+          <a:stretch/>
+        </p:blipFill>
+        <p:spPr>
+          <a:xfrm>
+            <a:off x="220133" y="651933"/>
+            <a:ext cx="11645538" cy="5677200"/>
+          </a:xfrm>
+          <a:prstGeom prst="rect">
+            <a:avLst/>
+          </a:prstGeom>
+          <a:ln>
+            <a:solidFill>
+              <a:schemeClr val="tx1"/>
+            </a:solidFill>
+          </a:ln>
+        </p:spPr>
+      </p:pic>
+      <p:sp>
+        <p:nvSpPr>
+          <p:cNvPr id="5" name="직사각형 4"/>
+          <p:cNvSpPr/>
+          <p:nvPr/>
+        </p:nvSpPr>
+        <p:spPr>
+          <a:xfrm>
+            <a:off x="10693399" y="3005666"/>
+            <a:ext cx="651933" cy="499533"/>
+          </a:xfrm>
+          <a:prstGeom prst="rect">
+            <a:avLst/>
+          </a:prstGeom>
+          <a:noFill/>
+          <a:ln w="19050">
+            <a:solidFill>
+              <a:schemeClr val="accent2"/>
+            </a:solidFill>
+          </a:ln>
+        </p:spPr>
+        <p:style>
+          <a:lnRef idx="2">
+            <a:schemeClr val="accent1">
+              <a:shade val="50000"/>
+            </a:schemeClr>
+          </a:lnRef>
+          <a:fillRef idx="1">
+            <a:schemeClr val="accent1"/>
+          </a:fillRef>
+          <a:effectRef idx="0">
+            <a:schemeClr val="accent1"/>
+          </a:effectRef>
+          <a:fontRef idx="minor">
+            <a:schemeClr val="lt1"/>
+          </a:fontRef>
+        </p:style>
+        <p:txBody>
+          <a:bodyPr rtlCol="0" anchor="ctr"/>
+          <a:lstStyle/>
+          <a:p>
+            <a:pPr algn="ctr"/>
+            <a:endParaRPr lang="ko-KR" altLang="en-US"/>
+          </a:p>
+        </p:txBody>
+      </p:sp>
+      <p:sp>
+        <p:nvSpPr>
+          <p:cNvPr id="6" name="직사각형 5"/>
+          <p:cNvSpPr/>
+          <p:nvPr/>
+        </p:nvSpPr>
+        <p:spPr>
+          <a:xfrm>
+            <a:off x="10502899" y="4625068"/>
+            <a:ext cx="732366" cy="209400"/>
+          </a:xfrm>
+          <a:prstGeom prst="rect">
+            <a:avLst/>
+          </a:prstGeom>
+          <a:noFill/>
+          <a:ln w="19050">
+            <a:solidFill>
+              <a:schemeClr val="accent2"/>
+            </a:solidFill>
+          </a:ln>
+        </p:spPr>
+        <p:style>
+          <a:lnRef idx="2">
+            <a:schemeClr val="accent1">
+              <a:shade val="50000"/>
+            </a:schemeClr>
+          </a:lnRef>
+          <a:fillRef idx="1">
+            <a:schemeClr val="accent1"/>
+          </a:fillRef>
+          <a:effectRef idx="0">
+            <a:schemeClr val="accent1"/>
+          </a:effectRef>
+          <a:fontRef idx="minor">
+            <a:schemeClr val="lt1"/>
+          </a:fontRef>
+        </p:style>
+        <p:txBody>
+          <a:bodyPr rtlCol="0" anchor="ctr"/>
+          <a:lstStyle/>
+          <a:p>
+            <a:pPr algn="ctr"/>
+            <a:endParaRPr lang="ko-KR" altLang="en-US"/>
+          </a:p>
+        </p:txBody>
+      </p:sp>
+      <p:pic>
+        <p:nvPicPr>
+          <p:cNvPr id="7" name="그림 6" descr="/Users/Yongs/Downloads/DB 브라우저 그림파일/1.png"/>
+          <p:cNvPicPr/>
+          <p:nvPr/>
+        </p:nvPicPr>
+        <p:blipFill rotWithShape="1">
+          <a:blip r:embed="rId3">
+            <a:extLst>
+              <a:ext uri="{28A0092B-C50C-407E-A947-70E740481C1C}">
+                <a14:useLocalDpi xmlns:a14="http://schemas.microsoft.com/office/drawing/2010/main" val="0"/>
+              </a:ext>
+            </a:extLst>
+          </a:blip>
+          <a:srcRect l="22981" t="21597" r="22981" b="35065"/>
+          <a:stretch/>
+        </p:blipFill>
+        <p:spPr bwMode="auto">
+          <a:xfrm>
+            <a:off x="10439378" y="2828093"/>
+            <a:ext cx="254020" cy="177573"/>
+          </a:xfrm>
+          <a:prstGeom prst="rect">
+            <a:avLst/>
+          </a:prstGeom>
+          <a:noFill/>
+          <a:ln>
+            <a:noFill/>
+          </a:ln>
+          <a:extLst>
+            <a:ext uri="{53640926-AAD7-44D8-BBD7-CCE9431645EC}">
+              <a14:shadowObscured xmlns:a14="http://schemas.microsoft.com/office/drawing/2010/main"/>
+            </a:ext>
+          </a:extLst>
+        </p:spPr>
+      </p:pic>
+      <p:pic>
+        <p:nvPicPr>
+          <p:cNvPr id="8" name="그림 7" descr="/Users/Yongs/Downloads/DB 브라우저 그림파일/2.png"/>
+          <p:cNvPicPr/>
+          <p:nvPr/>
+        </p:nvPicPr>
+        <p:blipFill rotWithShape="1">
+          <a:blip r:embed="rId4">
+            <a:extLst>
+              <a:ext uri="{28A0092B-C50C-407E-A947-70E740481C1C}">
+                <a14:useLocalDpi xmlns:a14="http://schemas.microsoft.com/office/drawing/2010/main" val="0"/>
+              </a:ext>
+            </a:extLst>
+          </a:blip>
+          <a:srcRect l="23487" t="21694" r="23487" b="34739"/>
+          <a:stretch/>
+        </p:blipFill>
+        <p:spPr bwMode="auto">
+          <a:xfrm>
+            <a:off x="10169511" y="4429685"/>
+            <a:ext cx="274123" cy="195383"/>
+          </a:xfrm>
+          <a:prstGeom prst="rect">
+            <a:avLst/>
+          </a:prstGeom>
+          <a:noFill/>
+          <a:ln>
+            <a:noFill/>
+          </a:ln>
+          <a:extLst>
+            <a:ext uri="{53640926-AAD7-44D8-BBD7-CCE9431645EC}">
+              <a14:shadowObscured xmlns:a14="http://schemas.microsoft.com/office/drawing/2010/main"/>
+            </a:ext>
+          </a:extLst>
+        </p:spPr>
+      </p:pic>
+    </p:spTree>
+    <p:extLst>
+      <p:ext uri="{BB962C8B-B14F-4D97-AF65-F5344CB8AC3E}">
+        <p14:creationId xmlns:p14="http://schemas.microsoft.com/office/powerpoint/2010/main" val="3929798927"/>
+      </p:ext>
+    </p:extLst>
+  </p:cSld>
+  <p:clrMapOvr>
+    <a:masterClrMapping/>
+  </p:clrMapOvr>
+</p:sld>
+</file>
+
+<file path=ppt/slides/slide14.xml><?xml version="1.0" encoding="utf-8"?>
+<p:sld xmlns:a="http://schemas.openxmlformats.org/drawingml/2006/main" xmlns:r="http://schemas.openxmlformats.org/officeDocument/2006/relationships" xmlns:p="http://schemas.openxmlformats.org/presentationml/2006/main">
+  <p:cSld>
+    <p:spTree>
+      <p:nvGrpSpPr>
+        <p:cNvPr id="1" name=""/>
+        <p:cNvGrpSpPr/>
+        <p:nvPr/>
+      </p:nvGrpSpPr>
+      <p:grpSpPr>
+        <a:xfrm>
+          <a:off x="0" y="0"/>
+          <a:ext cx="0" cy="0"/>
+          <a:chOff x="0" y="0"/>
+          <a:chExt cx="0" cy="0"/>
+        </a:xfrm>
+      </p:grpSpPr>
+      <p:pic>
+        <p:nvPicPr>
+          <p:cNvPr id="2" name="그림 1"/>
+          <p:cNvPicPr>
+            <a:picLocks noChangeAspect="1"/>
+          </p:cNvPicPr>
+          <p:nvPr/>
+        </p:nvPicPr>
+        <p:blipFill>
+          <a:blip r:embed="rId2"/>
+          <a:stretch>
+            <a:fillRect/>
+          </a:stretch>
+        </p:blipFill>
+        <p:spPr>
+          <a:xfrm>
+            <a:off x="497417" y="216958"/>
+            <a:ext cx="4610100" cy="2952750"/>
+          </a:xfrm>
+          <a:prstGeom prst="rect">
+            <a:avLst/>
+          </a:prstGeom>
+          <a:ln>
+            <a:solidFill>
+              <a:schemeClr val="tx1"/>
+            </a:solidFill>
+          </a:ln>
+        </p:spPr>
+      </p:pic>
+      <p:pic>
+        <p:nvPicPr>
+          <p:cNvPr id="5" name="그림 4"/>
+          <p:cNvPicPr>
+            <a:picLocks noChangeAspect="1"/>
+          </p:cNvPicPr>
+          <p:nvPr/>
+        </p:nvPicPr>
+        <p:blipFill>
+          <a:blip r:embed="rId3"/>
+          <a:stretch>
+            <a:fillRect/>
+          </a:stretch>
+        </p:blipFill>
+        <p:spPr>
+          <a:xfrm>
+            <a:off x="502179" y="3721100"/>
+            <a:ext cx="4600575" cy="1447800"/>
+          </a:xfrm>
+          <a:prstGeom prst="rect">
+            <a:avLst/>
+          </a:prstGeom>
+          <a:ln>
+            <a:solidFill>
+              <a:schemeClr val="tx1"/>
+            </a:solidFill>
+          </a:ln>
+        </p:spPr>
+      </p:pic>
+    </p:spTree>
+    <p:extLst>
+      <p:ext uri="{BB962C8B-B14F-4D97-AF65-F5344CB8AC3E}">
+        <p14:creationId xmlns:p14="http://schemas.microsoft.com/office/powerpoint/2010/main" val="531767554"/>
+      </p:ext>
+    </p:extLst>
+  </p:cSld>
+  <p:clrMapOvr>
+    <a:masterClrMapping/>
+  </p:clrMapOvr>
+</p:sld>
+</file>
+
+<file path=ppt/slides/slide15.xml><?xml version="1.0" encoding="utf-8"?>
+<p:sld xmlns:a="http://schemas.openxmlformats.org/drawingml/2006/main" xmlns:r="http://schemas.openxmlformats.org/officeDocument/2006/relationships" xmlns:p="http://schemas.openxmlformats.org/presentationml/2006/main">
+  <p:cSld>
+    <p:spTree>
+      <p:nvGrpSpPr>
+        <p:cNvPr id="1" name=""/>
+        <p:cNvGrpSpPr/>
+        <p:nvPr/>
+      </p:nvGrpSpPr>
+      <p:grpSpPr>
+        <a:xfrm>
+          <a:off x="0" y="0"/>
+          <a:ext cx="0" cy="0"/>
+          <a:chOff x="0" y="0"/>
+          <a:chExt cx="0" cy="0"/>
+        </a:xfrm>
+      </p:grpSpPr>
+      <p:pic>
+        <p:nvPicPr>
+          <p:cNvPr id="2" name="그림 1"/>
+          <p:cNvPicPr>
+            <a:picLocks noChangeAspect="1"/>
+          </p:cNvPicPr>
+          <p:nvPr/>
+        </p:nvPicPr>
+        <p:blipFill rotWithShape="1">
+          <a:blip r:embed="rId2"/>
+          <a:srcRect t="9872"/>
+          <a:stretch/>
+        </p:blipFill>
+        <p:spPr>
+          <a:xfrm>
+            <a:off x="321733" y="482599"/>
+            <a:ext cx="11628972" cy="5677200"/>
+          </a:xfrm>
+          <a:prstGeom prst="rect">
+            <a:avLst/>
+          </a:prstGeom>
+          <a:ln>
+            <a:solidFill>
+              <a:schemeClr val="tx1"/>
+            </a:solidFill>
+          </a:ln>
+        </p:spPr>
+      </p:pic>
+      <p:sp>
+        <p:nvSpPr>
+          <p:cNvPr id="10" name="직사각형 9"/>
+          <p:cNvSpPr/>
+          <p:nvPr/>
+        </p:nvSpPr>
+        <p:spPr>
+          <a:xfrm>
+            <a:off x="9144000" y="651934"/>
+            <a:ext cx="364068" cy="304800"/>
+          </a:xfrm>
+          <a:prstGeom prst="rect">
+            <a:avLst/>
+          </a:prstGeom>
+          <a:noFill/>
+          <a:ln w="19050">
+            <a:solidFill>
+              <a:schemeClr val="accent2"/>
+            </a:solidFill>
+          </a:ln>
+        </p:spPr>
+        <p:style>
+          <a:lnRef idx="2">
+            <a:schemeClr val="accent1">
+              <a:shade val="50000"/>
+            </a:schemeClr>
+          </a:lnRef>
+          <a:fillRef idx="1">
+            <a:schemeClr val="accent1"/>
+          </a:fillRef>
+          <a:effectRef idx="0">
+            <a:schemeClr val="accent1"/>
+          </a:effectRef>
+          <a:fontRef idx="minor">
+            <a:schemeClr val="lt1"/>
+          </a:fontRef>
+        </p:style>
+        <p:txBody>
+          <a:bodyPr rtlCol="0" anchor="ctr"/>
+          <a:lstStyle/>
+          <a:p>
+            <a:pPr algn="ctr"/>
+            <a:endParaRPr lang="ko-KR" altLang="en-US"/>
+          </a:p>
+        </p:txBody>
+      </p:sp>
+    </p:spTree>
+    <p:extLst>
+      <p:ext uri="{BB962C8B-B14F-4D97-AF65-F5344CB8AC3E}">
+        <p14:creationId xmlns:p14="http://schemas.microsoft.com/office/powerpoint/2010/main" val="3903637412"/>
+      </p:ext>
+    </p:extLst>
+  </p:cSld>
+  <p:clrMapOvr>
+    <a:masterClrMapping/>
+  </p:clrMapOvr>
+</p:sld>
+</file>
+
+<file path=ppt/slides/slide16.xml><?xml version="1.0" encoding="utf-8"?>
+<p:sld xmlns:a="http://schemas.openxmlformats.org/drawingml/2006/main" xmlns:r="http://schemas.openxmlformats.org/officeDocument/2006/relationships" xmlns:p="http://schemas.openxmlformats.org/presentationml/2006/main">
+  <p:cSld>
+    <p:spTree>
+      <p:nvGrpSpPr>
+        <p:cNvPr id="1" name=""/>
+        <p:cNvGrpSpPr/>
+        <p:nvPr/>
+      </p:nvGrpSpPr>
+      <p:grpSpPr>
+        <a:xfrm>
+          <a:off x="0" y="0"/>
+          <a:ext cx="0" cy="0"/>
+          <a:chOff x="0" y="0"/>
+          <a:chExt cx="0" cy="0"/>
+        </a:xfrm>
+      </p:grpSpPr>
+      <p:pic>
+        <p:nvPicPr>
+          <p:cNvPr id="3" name="그림 2"/>
+          <p:cNvPicPr>
+            <a:picLocks noChangeAspect="1"/>
+          </p:cNvPicPr>
+          <p:nvPr/>
+        </p:nvPicPr>
+        <p:blipFill rotWithShape="1">
+          <a:blip r:embed="rId2"/>
+          <a:srcRect t="9872"/>
+          <a:stretch/>
+        </p:blipFill>
+        <p:spPr>
+          <a:xfrm>
+            <a:off x="262467" y="567265"/>
+            <a:ext cx="11628972" cy="5677200"/>
+          </a:xfrm>
+          <a:prstGeom prst="rect">
+            <a:avLst/>
+          </a:prstGeom>
+          <a:ln>
+            <a:solidFill>
+              <a:schemeClr val="tx1"/>
+            </a:solidFill>
+          </a:ln>
+        </p:spPr>
+      </p:pic>
+    </p:spTree>
+    <p:extLst>
+      <p:ext uri="{BB962C8B-B14F-4D97-AF65-F5344CB8AC3E}">
+        <p14:creationId xmlns:p14="http://schemas.microsoft.com/office/powerpoint/2010/main" val="1096946395"/>
+      </p:ext>
+    </p:extLst>
+  </p:cSld>
+  <p:clrMapOvr>
+    <a:masterClrMapping/>
+  </p:clrMapOvr>
+</p:sld>
+</file>
+
 <file path=ppt/slides/slide2.xml><?xml version="1.0" encoding="utf-8"?>
 <p:sld xmlns:a="http://schemas.openxmlformats.org/drawingml/2006/main" xmlns:r="http://schemas.openxmlformats.org/officeDocument/2006/relationships" xmlns:p="http://schemas.openxmlformats.org/presentationml/2006/main">
   <p:cSld>
@@ -3688,7 +4379,7 @@
       </p:grpSpPr>
       <p:pic>
         <p:nvPicPr>
-          <p:cNvPr id="2" name="그림 1"/>
+          <p:cNvPr id="9" name="그림 8"/>
           <p:cNvPicPr>
             <a:picLocks noChangeAspect="1"/>
           </p:cNvPicPr>
@@ -3696,13 +4387,13 @@
         </p:nvPicPr>
         <p:blipFill rotWithShape="1">
           <a:blip r:embed="rId2"/>
-          <a:srcRect t="9872"/>
+          <a:srcRect t="10000"/>
           <a:stretch/>
         </p:blipFill>
         <p:spPr>
           <a:xfrm>
-            <a:off x="389466" y="499532"/>
-            <a:ext cx="11628972" cy="5677200"/>
+            <a:off x="296333" y="406400"/>
+            <a:ext cx="11645538" cy="5677200"/>
           </a:xfrm>
           <a:prstGeom prst="rect">
             <a:avLst/>
@@ -3714,10 +4405,56 @@
           </a:ln>
         </p:spPr>
       </p:pic>
+      <p:sp>
+        <p:nvSpPr>
+          <p:cNvPr id="10" name="직사각형 9"/>
+          <p:cNvSpPr/>
+          <p:nvPr/>
+        </p:nvSpPr>
+        <p:spPr>
+          <a:xfrm>
+            <a:off x="9618133" y="567268"/>
+            <a:ext cx="364068" cy="304800"/>
+          </a:xfrm>
+          <a:prstGeom prst="rect">
+            <a:avLst/>
+          </a:prstGeom>
+          <a:noFill/>
+          <a:ln w="19050">
+            <a:solidFill>
+              <a:schemeClr val="accent2"/>
+            </a:solidFill>
+          </a:ln>
+        </p:spPr>
+        <p:style>
+          <a:lnRef idx="2">
+            <a:schemeClr val="accent1">
+              <a:shade val="50000"/>
+            </a:schemeClr>
+          </a:lnRef>
+          <a:fillRef idx="1">
+            <a:schemeClr val="accent1"/>
+          </a:fillRef>
+          <a:effectRef idx="0">
+            <a:schemeClr val="accent1"/>
+          </a:effectRef>
+          <a:fontRef idx="minor">
+            <a:schemeClr val="lt1"/>
+          </a:fontRef>
+        </p:style>
+        <p:txBody>
+          <a:bodyPr rtlCol="0" anchor="ctr"/>
+          <a:lstStyle/>
+          <a:p>
+            <a:pPr algn="ctr"/>
+            <a:endParaRPr lang="ko-KR" altLang="en-US"/>
+          </a:p>
+        </p:txBody>
+      </p:sp>
     </p:spTree>
     <p:extLst>
       <p:ext uri="{BB962C8B-B14F-4D97-AF65-F5344CB8AC3E}">
-        <p14:creationId xmlns:p14="http://schemas.microsoft.com/office/powerpoint/2010/main" val="152766921"/>
+        <p14:creationId xmlns:p14="http://schemas.microsoft.com/office/powerpoint/2010/main" val="3274782885"/>
       </p:ext>
     </p:extLst>
   </p:cSld>
@@ -3746,7 +4483,7 @@
       </p:grpSpPr>
       <p:pic>
         <p:nvPicPr>
-          <p:cNvPr id="9" name="그림 8"/>
+          <p:cNvPr id="2" name="그림 1"/>
           <p:cNvPicPr>
             <a:picLocks noChangeAspect="1"/>
           </p:cNvPicPr>
@@ -3754,13 +4491,13 @@
         </p:nvPicPr>
         <p:blipFill rotWithShape="1">
           <a:blip r:embed="rId2"/>
-          <a:srcRect t="10000"/>
+          <a:srcRect t="9872"/>
           <a:stretch/>
         </p:blipFill>
         <p:spPr>
           <a:xfrm>
-            <a:off x="296333" y="406400"/>
-            <a:ext cx="11645538" cy="5677200"/>
+            <a:off x="389466" y="499532"/>
+            <a:ext cx="11628972" cy="5677200"/>
           </a:xfrm>
           <a:prstGeom prst="rect">
             <a:avLst/>
@@ -3772,56 +4509,10 @@
           </a:ln>
         </p:spPr>
       </p:pic>
-      <p:sp>
-        <p:nvSpPr>
-          <p:cNvPr id="10" name="직사각형 9"/>
-          <p:cNvSpPr/>
-          <p:nvPr/>
-        </p:nvSpPr>
-        <p:spPr>
-          <a:xfrm>
-            <a:off x="9618133" y="567268"/>
-            <a:ext cx="364068" cy="304800"/>
-          </a:xfrm>
-          <a:prstGeom prst="rect">
-            <a:avLst/>
-          </a:prstGeom>
-          <a:noFill/>
-          <a:ln w="19050">
-            <a:solidFill>
-              <a:schemeClr val="accent2"/>
-            </a:solidFill>
-          </a:ln>
-        </p:spPr>
-        <p:style>
-          <a:lnRef idx="2">
-            <a:schemeClr val="accent1">
-              <a:shade val="50000"/>
-            </a:schemeClr>
-          </a:lnRef>
-          <a:fillRef idx="1">
-            <a:schemeClr val="accent1"/>
-          </a:fillRef>
-          <a:effectRef idx="0">
-            <a:schemeClr val="accent1"/>
-          </a:effectRef>
-          <a:fontRef idx="minor">
-            <a:schemeClr val="lt1"/>
-          </a:fontRef>
-        </p:style>
-        <p:txBody>
-          <a:bodyPr rtlCol="0" anchor="ctr"/>
-          <a:lstStyle/>
-          <a:p>
-            <a:pPr algn="ctr"/>
-            <a:endParaRPr lang="ko-KR" altLang="en-US"/>
-          </a:p>
-        </p:txBody>
-      </p:sp>
     </p:spTree>
     <p:extLst>
       <p:ext uri="{BB962C8B-B14F-4D97-AF65-F5344CB8AC3E}">
-        <p14:creationId xmlns:p14="http://schemas.microsoft.com/office/powerpoint/2010/main" val="3274782885"/>
+        <p14:creationId xmlns:p14="http://schemas.microsoft.com/office/powerpoint/2010/main" val="152766921"/>
       </p:ext>
     </p:extLst>
   </p:cSld>
